--- a/프로젝트3.pptx
+++ b/프로젝트3.pptx
@@ -113,6 +113,11 @@
       </a:defRPr>
     </a:lvl9pPr>
   </p:defaultTextStyle>
+  <p:extLst>
+    <p:ext uri="{EFAFB233-063F-42B5-8137-9DF3F51BA10A}">
+      <p15:sldGuideLst xmlns:p15="http://schemas.microsoft.com/office/powerpoint/2012/main"/>
+    </p:ext>
+  </p:extLst>
 </p:presentation>
 </file>
 
@@ -6035,15 +6040,85 @@
           <a:p>
             <a:pPr algn="ctr"/>
             <a:r>
-              <a:rPr lang="en-US" altLang="ko-KR" sz="2800" dirty="0" err="1">
+              <a:rPr lang="ko-KR" altLang="en-US" sz="2800" dirty="0">
                 <a:latin typeface="08서울남산체 EB" panose="02020603020101020101" pitchFamily="18" charset="-127"/>
                 <a:ea typeface="08서울남산체 EB" panose="02020603020101020101" pitchFamily="18" charset="-127"/>
               </a:rPr>
-              <a:t>lightgbm</a:t>
-            </a:r>
-            <a:endParaRPr lang="ko-KR" altLang="en-US" sz="2800" dirty="0">
-              <a:latin typeface="08서울남산체 EB" panose="02020603020101020101" pitchFamily="18" charset="-127"/>
-              <a:ea typeface="08서울남산체 EB" panose="02020603020101020101" pitchFamily="18" charset="-127"/>
+              <a:t>평균수익률</a:t>
+            </a:r>
+          </a:p>
+        </p:txBody>
+      </p:sp>
+      <p:sp>
+        <p:nvSpPr>
+          <p:cNvPr id="14" name="TextBox 13">
+            <a:extLst>
+              <a:ext uri="{FF2B5EF4-FFF2-40B4-BE49-F238E27FC236}">
+                <a16:creationId xmlns:a16="http://schemas.microsoft.com/office/drawing/2014/main" id="{B227349F-F3FC-4964-B5E6-078C584EF535}"/>
+              </a:ext>
+            </a:extLst>
+          </p:cNvPr>
+          <p:cNvSpPr txBox="1"/>
+          <p:nvPr/>
+        </p:nvSpPr>
+        <p:spPr>
+          <a:xfrm>
+            <a:off x="6745622" y="2803921"/>
+            <a:ext cx="3963969" cy="646331"/>
+          </a:xfrm>
+          <a:prstGeom prst="rect">
+            <a:avLst/>
+          </a:prstGeom>
+          <a:noFill/>
+        </p:spPr>
+        <p:txBody>
+          <a:bodyPr wrap="square">
+            <a:spAutoFit/>
+          </a:bodyPr>
+          <a:lstStyle/>
+          <a:p>
+            <a:r>
+              <a:rPr lang="en-US" altLang="ko-KR" b="0" dirty="0">
+                <a:solidFill>
+                  <a:srgbClr val="008000"/>
+                </a:solidFill>
+                <a:effectLst/>
+                <a:latin typeface="08서울남산체 B" panose="02020603020101020101" pitchFamily="18" charset="-127"/>
+                <a:ea typeface="08서울남산체 B" panose="02020603020101020101" pitchFamily="18" charset="-127"/>
+              </a:rPr>
+              <a:t>2009.01.01~2020.02.28</a:t>
+            </a:r>
+          </a:p>
+          <a:p>
+            <a:r>
+              <a:rPr lang="ko-KR" altLang="en-US" b="0" dirty="0">
+                <a:solidFill>
+                  <a:srgbClr val="008000"/>
+                </a:solidFill>
+                <a:effectLst/>
+                <a:latin typeface="08서울남산체 B" panose="02020603020101020101" pitchFamily="18" charset="-127"/>
+                <a:ea typeface="08서울남산체 B" panose="02020603020101020101" pitchFamily="18" charset="-127"/>
+              </a:rPr>
+              <a:t>평균수익률</a:t>
+            </a:r>
+            <a:r>
+              <a:rPr lang="en-US" altLang="ko-KR" b="0" dirty="0">
+                <a:solidFill>
+                  <a:srgbClr val="008000"/>
+                </a:solidFill>
+                <a:effectLst/>
+                <a:latin typeface="08서울남산체 B" panose="02020603020101020101" pitchFamily="18" charset="-127"/>
+                <a:ea typeface="08서울남산체 B" panose="02020603020101020101" pitchFamily="18" charset="-127"/>
+              </a:rPr>
+              <a:t>: 0. 165044</a:t>
+            </a:r>
+            <a:endParaRPr lang="ko-KR" altLang="en-US" b="0" dirty="0">
+              <a:solidFill>
+                <a:srgbClr val="000000"/>
+              </a:solidFill>
+              <a:effectLst/>
+              <a:latin typeface="08서울남산체 B" panose="02020603020101020101" pitchFamily="18" charset="-127"/>
+              <a:ea typeface="08서울남산체 B" panose="02020603020101020101" pitchFamily="18" charset="-127"/>
             </a:endParaRPr>
           </a:p>
         </p:txBody>
